--- a/ReactJSNew/Reducers.pptx
+++ b/ReactJSNew/Reducers.pptx
@@ -12,6 +12,7 @@
     <p:sldId id="260" r:id="rId6"/>
     <p:sldId id="261" r:id="rId7"/>
     <p:sldId id="262" r:id="rId8"/>
+    <p:sldId id="263" r:id="rId9"/>
   </p:sldIdLst>
   <p:sldSz cx="12192000" cy="6858000"/>
   <p:notesSz cx="6858000" cy="9144000"/>
@@ -110,6 +111,11 @@
       </a:defRPr>
     </a:lvl9pPr>
   </p:defaultTextStyle>
+  <p:extLst>
+    <p:ext uri="{EFAFB233-063F-42B5-8137-9DF3F51BA10A}">
+      <p15:sldGuideLst xmlns:p15="http://schemas.microsoft.com/office/powerpoint/2012/main"/>
+    </p:ext>
+  </p:extLst>
 </p:presentation>
 </file>
 
@@ -260,7 +266,7 @@
           <a:p>
             <a:fld id="{C7250499-2EEC-4A9D-AE9C-EA4335AD728E}" type="datetimeFigureOut">
               <a:rPr lang="en-US" smtClean="0"/>
-              <a:t>10/13/2023</a:t>
+              <a:t>10/16/2023</a:t>
             </a:fld>
             <a:endParaRPr lang="en-US"/>
           </a:p>
@@ -458,7 +464,7 @@
           <a:p>
             <a:fld id="{C7250499-2EEC-4A9D-AE9C-EA4335AD728E}" type="datetimeFigureOut">
               <a:rPr lang="en-US" smtClean="0"/>
-              <a:t>10/13/2023</a:t>
+              <a:t>10/16/2023</a:t>
             </a:fld>
             <a:endParaRPr lang="en-US"/>
           </a:p>
@@ -666,7 +672,7 @@
           <a:p>
             <a:fld id="{C7250499-2EEC-4A9D-AE9C-EA4335AD728E}" type="datetimeFigureOut">
               <a:rPr lang="en-US" smtClean="0"/>
-              <a:t>10/13/2023</a:t>
+              <a:t>10/16/2023</a:t>
             </a:fld>
             <a:endParaRPr lang="en-US"/>
           </a:p>
@@ -864,7 +870,7 @@
           <a:p>
             <a:fld id="{C7250499-2EEC-4A9D-AE9C-EA4335AD728E}" type="datetimeFigureOut">
               <a:rPr lang="en-US" smtClean="0"/>
-              <a:t>10/13/2023</a:t>
+              <a:t>10/16/2023</a:t>
             </a:fld>
             <a:endParaRPr lang="en-US"/>
           </a:p>
@@ -1139,7 +1145,7 @@
           <a:p>
             <a:fld id="{C7250499-2EEC-4A9D-AE9C-EA4335AD728E}" type="datetimeFigureOut">
               <a:rPr lang="en-US" smtClean="0"/>
-              <a:t>10/13/2023</a:t>
+              <a:t>10/16/2023</a:t>
             </a:fld>
             <a:endParaRPr lang="en-US"/>
           </a:p>
@@ -1404,7 +1410,7 @@
           <a:p>
             <a:fld id="{C7250499-2EEC-4A9D-AE9C-EA4335AD728E}" type="datetimeFigureOut">
               <a:rPr lang="en-US" smtClean="0"/>
-              <a:t>10/13/2023</a:t>
+              <a:t>10/16/2023</a:t>
             </a:fld>
             <a:endParaRPr lang="en-US"/>
           </a:p>
@@ -1816,7 +1822,7 @@
           <a:p>
             <a:fld id="{C7250499-2EEC-4A9D-AE9C-EA4335AD728E}" type="datetimeFigureOut">
               <a:rPr lang="en-US" smtClean="0"/>
-              <a:t>10/13/2023</a:t>
+              <a:t>10/16/2023</a:t>
             </a:fld>
             <a:endParaRPr lang="en-US"/>
           </a:p>
@@ -1957,7 +1963,7 @@
           <a:p>
             <a:fld id="{C7250499-2EEC-4A9D-AE9C-EA4335AD728E}" type="datetimeFigureOut">
               <a:rPr lang="en-US" smtClean="0"/>
-              <a:t>10/13/2023</a:t>
+              <a:t>10/16/2023</a:t>
             </a:fld>
             <a:endParaRPr lang="en-US"/>
           </a:p>
@@ -2070,7 +2076,7 @@
           <a:p>
             <a:fld id="{C7250499-2EEC-4A9D-AE9C-EA4335AD728E}" type="datetimeFigureOut">
               <a:rPr lang="en-US" smtClean="0"/>
-              <a:t>10/13/2023</a:t>
+              <a:t>10/16/2023</a:t>
             </a:fld>
             <a:endParaRPr lang="en-US"/>
           </a:p>
@@ -2381,7 +2387,7 @@
           <a:p>
             <a:fld id="{C7250499-2EEC-4A9D-AE9C-EA4335AD728E}" type="datetimeFigureOut">
               <a:rPr lang="en-US" smtClean="0"/>
-              <a:t>10/13/2023</a:t>
+              <a:t>10/16/2023</a:t>
             </a:fld>
             <a:endParaRPr lang="en-US"/>
           </a:p>
@@ -2669,7 +2675,7 @@
           <a:p>
             <a:fld id="{C7250499-2EEC-4A9D-AE9C-EA4335AD728E}" type="datetimeFigureOut">
               <a:rPr lang="en-US" smtClean="0"/>
-              <a:t>10/13/2023</a:t>
+              <a:t>10/16/2023</a:t>
             </a:fld>
             <a:endParaRPr lang="en-US"/>
           </a:p>
@@ -2910,7 +2916,7 @@
           <a:p>
             <a:fld id="{C7250499-2EEC-4A9D-AE9C-EA4335AD728E}" type="datetimeFigureOut">
               <a:rPr lang="en-US" smtClean="0"/>
-              <a:t>10/13/2023</a:t>
+              <a:t>10/16/2023</a:t>
             </a:fld>
             <a:endParaRPr lang="en-US"/>
           </a:p>
@@ -3432,7 +3438,7 @@
         </p:nvSpPr>
         <p:spPr>
           <a:xfrm>
-            <a:off x="2679225" y="1018622"/>
+            <a:off x="2679225" y="1032270"/>
             <a:ext cx="9239534" cy="547545"/>
           </a:xfrm>
           <a:prstGeom prst="rect">
@@ -7998,6 +8004,64 @@
     <p:extLst>
       <p:ext uri="{BB962C8B-B14F-4D97-AF65-F5344CB8AC3E}">
         <p14:creationId xmlns:p14="http://schemas.microsoft.com/office/powerpoint/2010/main" val="198877417"/>
+      </p:ext>
+    </p:extLst>
+  </p:cSld>
+  <p:clrMapOvr>
+    <a:masterClrMapping/>
+  </p:clrMapOvr>
+</p:sld>
+</file>
+
+<file path=ppt/slides/slide8.xml><?xml version="1.0" encoding="utf-8"?>
+<p:sld xmlns:a="http://schemas.openxmlformats.org/drawingml/2006/main" xmlns:r="http://schemas.openxmlformats.org/officeDocument/2006/relationships" xmlns:p="http://schemas.openxmlformats.org/presentationml/2006/main">
+  <p:cSld>
+    <p:spTree>
+      <p:nvGrpSpPr>
+        <p:cNvPr id="1" name=""/>
+        <p:cNvGrpSpPr/>
+        <p:nvPr/>
+      </p:nvGrpSpPr>
+      <p:grpSpPr>
+        <a:xfrm>
+          <a:off x="0" y="0"/>
+          <a:ext cx="0" cy="0"/>
+          <a:chOff x="0" y="0"/>
+          <a:chExt cx="0" cy="0"/>
+        </a:xfrm>
+      </p:grpSpPr>
+      <p:sp>
+        <p:nvSpPr>
+          <p:cNvPr id="3" name="Content Placeholder 2">
+            <a:extLst>
+              <a:ext uri="{FF2B5EF4-FFF2-40B4-BE49-F238E27FC236}">
+                <a16:creationId xmlns:a16="http://schemas.microsoft.com/office/drawing/2014/main" id="{00A7EDC6-111D-00A3-0E4B-6595B92F33DE}"/>
+              </a:ext>
+            </a:extLst>
+          </p:cNvPr>
+          <p:cNvSpPr>
+            <a:spLocks noGrp="1"/>
+          </p:cNvSpPr>
+          <p:nvPr>
+            <p:ph idx="1"/>
+          </p:nvPr>
+        </p:nvSpPr>
+        <p:spPr/>
+        <p:txBody>
+          <a:bodyPr/>
+          <a:lstStyle/>
+          <a:p>
+            <a:r>
+              <a:rPr lang="en-US" dirty="0"/>
+              <a:t>Cart Reducer</a:t>
+            </a:r>
+          </a:p>
+        </p:txBody>
+      </p:sp>
+    </p:spTree>
+    <p:extLst>
+      <p:ext uri="{BB962C8B-B14F-4D97-AF65-F5344CB8AC3E}">
+        <p14:creationId xmlns:p14="http://schemas.microsoft.com/office/powerpoint/2010/main" val="40711795"/>
       </p:ext>
     </p:extLst>
   </p:cSld>
